--- a/Circuito/Circuito Tappingduino 3  Final - TopBottomCopias.pptx
+++ b/Circuito/Circuito Tappingduino 3  Final - TopBottomCopias.pptx
@@ -6,6 +6,7 @@
   </p:sldMasterIdLst>
   <p:sldIdLst>
     <p:sldId id="256" r:id="rId2"/>
+    <p:sldId id="257" r:id="rId3"/>
   </p:sldIdLst>
   <p:sldSz cx="6858000" cy="9906000" type="A4"/>
   <p:notesSz cx="6858000" cy="9144000"/>
@@ -288,7 +289,7 @@
           <a:p>
             <a:fld id="{DBC7ACE4-8D56-4323-B0E9-158820D3F869}" type="datetimeFigureOut">
               <a:rPr lang="es-AR" smtClean="0"/>
-              <a:t>11/10/2019</a:t>
+              <a:t>21/10/2019</a:t>
             </a:fld>
             <a:endParaRPr lang="es-AR"/>
           </a:p>
@@ -458,7 +459,7 @@
           <a:p>
             <a:fld id="{DBC7ACE4-8D56-4323-B0E9-158820D3F869}" type="datetimeFigureOut">
               <a:rPr lang="es-AR" smtClean="0"/>
-              <a:t>11/10/2019</a:t>
+              <a:t>21/10/2019</a:t>
             </a:fld>
             <a:endParaRPr lang="es-AR"/>
           </a:p>
@@ -638,7 +639,7 @@
           <a:p>
             <a:fld id="{DBC7ACE4-8D56-4323-B0E9-158820D3F869}" type="datetimeFigureOut">
               <a:rPr lang="es-AR" smtClean="0"/>
-              <a:t>11/10/2019</a:t>
+              <a:t>21/10/2019</a:t>
             </a:fld>
             <a:endParaRPr lang="es-AR"/>
           </a:p>
@@ -808,7 +809,7 @@
           <a:p>
             <a:fld id="{DBC7ACE4-8D56-4323-B0E9-158820D3F869}" type="datetimeFigureOut">
               <a:rPr lang="es-AR" smtClean="0"/>
-              <a:t>11/10/2019</a:t>
+              <a:t>21/10/2019</a:t>
             </a:fld>
             <a:endParaRPr lang="es-AR"/>
           </a:p>
@@ -1054,7 +1055,7 @@
           <a:p>
             <a:fld id="{DBC7ACE4-8D56-4323-B0E9-158820D3F869}" type="datetimeFigureOut">
               <a:rPr lang="es-AR" smtClean="0"/>
-              <a:t>11/10/2019</a:t>
+              <a:t>21/10/2019</a:t>
             </a:fld>
             <a:endParaRPr lang="es-AR"/>
           </a:p>
@@ -1342,7 +1343,7 @@
           <a:p>
             <a:fld id="{DBC7ACE4-8D56-4323-B0E9-158820D3F869}" type="datetimeFigureOut">
               <a:rPr lang="es-AR" smtClean="0"/>
-              <a:t>11/10/2019</a:t>
+              <a:t>21/10/2019</a:t>
             </a:fld>
             <a:endParaRPr lang="es-AR"/>
           </a:p>
@@ -1769,7 +1770,7 @@
           <a:p>
             <a:fld id="{DBC7ACE4-8D56-4323-B0E9-158820D3F869}" type="datetimeFigureOut">
               <a:rPr lang="es-AR" smtClean="0"/>
-              <a:t>11/10/2019</a:t>
+              <a:t>21/10/2019</a:t>
             </a:fld>
             <a:endParaRPr lang="es-AR"/>
           </a:p>
@@ -1887,7 +1888,7 @@
           <a:p>
             <a:fld id="{DBC7ACE4-8D56-4323-B0E9-158820D3F869}" type="datetimeFigureOut">
               <a:rPr lang="es-AR" smtClean="0"/>
-              <a:t>11/10/2019</a:t>
+              <a:t>21/10/2019</a:t>
             </a:fld>
             <a:endParaRPr lang="es-AR"/>
           </a:p>
@@ -1982,7 +1983,7 @@
           <a:p>
             <a:fld id="{DBC7ACE4-8D56-4323-B0E9-158820D3F869}" type="datetimeFigureOut">
               <a:rPr lang="es-AR" smtClean="0"/>
-              <a:t>11/10/2019</a:t>
+              <a:t>21/10/2019</a:t>
             </a:fld>
             <a:endParaRPr lang="es-AR"/>
           </a:p>
@@ -2259,7 +2260,7 @@
           <a:p>
             <a:fld id="{DBC7ACE4-8D56-4323-B0E9-158820D3F869}" type="datetimeFigureOut">
               <a:rPr lang="es-AR" smtClean="0"/>
-              <a:t>11/10/2019</a:t>
+              <a:t>21/10/2019</a:t>
             </a:fld>
             <a:endParaRPr lang="es-AR"/>
           </a:p>
@@ -2512,7 +2513,7 @@
           <a:p>
             <a:fld id="{DBC7ACE4-8D56-4323-B0E9-158820D3F869}" type="datetimeFigureOut">
               <a:rPr lang="es-AR" smtClean="0"/>
-              <a:t>11/10/2019</a:t>
+              <a:t>21/10/2019</a:t>
             </a:fld>
             <a:endParaRPr lang="es-AR"/>
           </a:p>
@@ -2725,7 +2726,7 @@
           <a:p>
             <a:fld id="{DBC7ACE4-8D56-4323-B0E9-158820D3F869}" type="datetimeFigureOut">
               <a:rPr lang="es-AR" smtClean="0"/>
-              <a:t>11/10/2019</a:t>
+              <a:t>21/10/2019</a:t>
             </a:fld>
             <a:endParaRPr lang="es-AR"/>
           </a:p>
@@ -3412,6 +3413,427 @@
   <p:clrMapOvr>
     <a:masterClrMapping/>
   </p:clrMapOvr>
+  <p:timing>
+    <p:tnLst>
+      <p:par>
+        <p:cTn id="1" dur="indefinite" restart="never" nodeType="tmRoot"/>
+      </p:par>
+    </p:tnLst>
+  </p:timing>
+</p:sld>
+</file>
+
+<file path=ppt/slides/slide2.xml><?xml version="1.0" encoding="utf-8"?>
+<p:sld xmlns:a="http://schemas.openxmlformats.org/drawingml/2006/main" xmlns:r="http://schemas.openxmlformats.org/officeDocument/2006/relationships" xmlns:p="http://schemas.openxmlformats.org/presentationml/2006/main">
+  <p:cSld>
+    <p:spTree>
+      <p:nvGrpSpPr>
+        <p:cNvPr id="1" name=""/>
+        <p:cNvGrpSpPr/>
+        <p:nvPr/>
+      </p:nvGrpSpPr>
+      <p:grpSpPr>
+        <a:xfrm>
+          <a:off x="0" y="0"/>
+          <a:ext cx="0" cy="0"/>
+          <a:chOff x="0" y="0"/>
+          <a:chExt cx="0" cy="0"/>
+        </a:xfrm>
+      </p:grpSpPr>
+      <p:pic>
+        <p:nvPicPr>
+          <p:cNvPr id="6" name="5 Imagen"/>
+          <p:cNvPicPr>
+            <a:picLocks noChangeAspect="1"/>
+          </p:cNvPicPr>
+          <p:nvPr/>
+        </p:nvPicPr>
+        <p:blipFill rotWithShape="1">
+          <a:blip r:embed="rId2">
+            <a:extLst>
+              <a:ext uri="{28A0092B-C50C-407E-A947-70E740481C1C}">
+                <a14:useLocalDpi xmlns:a14="http://schemas.microsoft.com/office/drawing/2010/main" val="0"/>
+              </a:ext>
+            </a:extLst>
+          </a:blip>
+          <a:srcRect l="9355" t="2996" r="1467" b="2996"/>
+          <a:stretch/>
+        </p:blipFill>
+        <p:spPr>
+          <a:xfrm flipV="1">
+            <a:off x="3526543" y="497796"/>
+            <a:ext cx="3256059" cy="2143126"/>
+          </a:xfrm>
+          <a:prstGeom prst="rect">
+            <a:avLst/>
+          </a:prstGeom>
+        </p:spPr>
+      </p:pic>
+      <p:pic>
+        <p:nvPicPr>
+          <p:cNvPr id="7" name="6 Imagen"/>
+          <p:cNvPicPr>
+            <a:picLocks noChangeAspect="1"/>
+          </p:cNvPicPr>
+          <p:nvPr/>
+        </p:nvPicPr>
+        <p:blipFill rotWithShape="1">
+          <a:blip r:embed="rId3">
+            <a:extLst>
+              <a:ext uri="{28A0092B-C50C-407E-A947-70E740481C1C}">
+                <a14:useLocalDpi xmlns:a14="http://schemas.microsoft.com/office/drawing/2010/main" val="0"/>
+              </a:ext>
+            </a:extLst>
+          </a:blip>
+          <a:srcRect l="9252" t="2991" r="1572" b="3173"/>
+          <a:stretch/>
+        </p:blipFill>
+        <p:spPr>
+          <a:xfrm>
+            <a:off x="188640" y="509499"/>
+            <a:ext cx="3256059" cy="2139245"/>
+          </a:xfrm>
+          <a:prstGeom prst="rect">
+            <a:avLst/>
+          </a:prstGeom>
+        </p:spPr>
+      </p:pic>
+      <p:grpSp>
+        <p:nvGrpSpPr>
+          <p:cNvPr id="11" name="10 Grupo"/>
+          <p:cNvGrpSpPr/>
+          <p:nvPr/>
+        </p:nvGrpSpPr>
+        <p:grpSpPr>
+          <a:xfrm>
+            <a:off x="404664" y="56456"/>
+            <a:ext cx="3600000" cy="369332"/>
+            <a:chOff x="320079" y="2000672"/>
+            <a:chExt cx="3600000" cy="369332"/>
+          </a:xfrm>
+        </p:grpSpPr>
+        <p:cxnSp>
+          <p:nvCxnSpPr>
+            <p:cNvPr id="9" name="8 Conector recto"/>
+            <p:cNvCxnSpPr/>
+            <p:nvPr/>
+          </p:nvCxnSpPr>
+          <p:spPr>
+            <a:xfrm>
+              <a:off x="320079" y="2288704"/>
+              <a:ext cx="3600000" cy="0"/>
+            </a:xfrm>
+            <a:prstGeom prst="line">
+              <a:avLst/>
+            </a:prstGeom>
+          </p:spPr>
+          <p:style>
+            <a:lnRef idx="1">
+              <a:schemeClr val="accent1"/>
+            </a:lnRef>
+            <a:fillRef idx="0">
+              <a:schemeClr val="accent1"/>
+            </a:fillRef>
+            <a:effectRef idx="0">
+              <a:schemeClr val="accent1"/>
+            </a:effectRef>
+            <a:fontRef idx="minor">
+              <a:schemeClr val="tx1"/>
+            </a:fontRef>
+          </p:style>
+        </p:cxnSp>
+        <p:sp>
+          <p:nvSpPr>
+            <p:cNvPr id="10" name="9 CuadroTexto"/>
+            <p:cNvSpPr txBox="1"/>
+            <p:nvPr/>
+          </p:nvSpPr>
+          <p:spPr>
+            <a:xfrm>
+              <a:off x="1588068" y="2000672"/>
+              <a:ext cx="720080" cy="369332"/>
+            </a:xfrm>
+            <a:prstGeom prst="rect">
+              <a:avLst/>
+            </a:prstGeom>
+            <a:noFill/>
+          </p:spPr>
+          <p:txBody>
+            <a:bodyPr wrap="square" rtlCol="0">
+              <a:spAutoFit/>
+            </a:bodyPr>
+            <a:lstStyle/>
+            <a:p>
+              <a:r>
+                <a:rPr lang="es-AR" dirty="0" smtClean="0">
+                  <a:solidFill>
+                    <a:schemeClr val="accent1"/>
+                  </a:solidFill>
+                </a:rPr>
+                <a:t>10cm</a:t>
+              </a:r>
+              <a:endParaRPr lang="es-AR" dirty="0">
+                <a:solidFill>
+                  <a:schemeClr val="accent1"/>
+                </a:solidFill>
+              </a:endParaRPr>
+            </a:p>
+          </p:txBody>
+        </p:sp>
+      </p:grpSp>
+      <p:pic>
+        <p:nvPicPr>
+          <p:cNvPr id="12" name="11 Imagen"/>
+          <p:cNvPicPr>
+            <a:picLocks noChangeAspect="1"/>
+          </p:cNvPicPr>
+          <p:nvPr/>
+        </p:nvPicPr>
+        <p:blipFill rotWithShape="1">
+          <a:blip r:embed="rId2">
+            <a:extLst>
+              <a:ext uri="{28A0092B-C50C-407E-A947-70E740481C1C}">
+                <a14:useLocalDpi xmlns:a14="http://schemas.microsoft.com/office/drawing/2010/main" val="0"/>
+              </a:ext>
+            </a:extLst>
+          </a:blip>
+          <a:srcRect l="9355" t="2996" r="1467" b="2996"/>
+          <a:stretch/>
+        </p:blipFill>
+        <p:spPr>
+          <a:xfrm flipV="1">
+            <a:off x="3526543" y="2730044"/>
+            <a:ext cx="3256059" cy="2143126"/>
+          </a:xfrm>
+          <a:prstGeom prst="rect">
+            <a:avLst/>
+          </a:prstGeom>
+        </p:spPr>
+      </p:pic>
+      <p:pic>
+        <p:nvPicPr>
+          <p:cNvPr id="13" name="12 Imagen"/>
+          <p:cNvPicPr>
+            <a:picLocks noChangeAspect="1"/>
+          </p:cNvPicPr>
+          <p:nvPr/>
+        </p:nvPicPr>
+        <p:blipFill rotWithShape="1">
+          <a:blip r:embed="rId3">
+            <a:extLst>
+              <a:ext uri="{28A0092B-C50C-407E-A947-70E740481C1C}">
+                <a14:useLocalDpi xmlns:a14="http://schemas.microsoft.com/office/drawing/2010/main" val="0"/>
+              </a:ext>
+            </a:extLst>
+          </a:blip>
+          <a:srcRect l="9252" t="2991" r="1572" b="3173"/>
+          <a:stretch/>
+        </p:blipFill>
+        <p:spPr>
+          <a:xfrm>
+            <a:off x="188640" y="2741747"/>
+            <a:ext cx="3256059" cy="2139245"/>
+          </a:xfrm>
+          <a:prstGeom prst="rect">
+            <a:avLst/>
+          </a:prstGeom>
+        </p:spPr>
+      </p:pic>
+      <p:pic>
+        <p:nvPicPr>
+          <p:cNvPr id="14" name="13 Imagen"/>
+          <p:cNvPicPr>
+            <a:picLocks noChangeAspect="1"/>
+          </p:cNvPicPr>
+          <p:nvPr/>
+        </p:nvPicPr>
+        <p:blipFill rotWithShape="1">
+          <a:blip r:embed="rId2">
+            <a:extLst>
+              <a:ext uri="{28A0092B-C50C-407E-A947-70E740481C1C}">
+                <a14:useLocalDpi xmlns:a14="http://schemas.microsoft.com/office/drawing/2010/main" val="0"/>
+              </a:ext>
+            </a:extLst>
+          </a:blip>
+          <a:srcRect l="9355" t="2996" r="1467" b="2996"/>
+          <a:stretch/>
+        </p:blipFill>
+        <p:spPr>
+          <a:xfrm flipV="1">
+            <a:off x="3526543" y="4953000"/>
+            <a:ext cx="3256059" cy="2143126"/>
+          </a:xfrm>
+          <a:prstGeom prst="rect">
+            <a:avLst/>
+          </a:prstGeom>
+        </p:spPr>
+      </p:pic>
+      <p:pic>
+        <p:nvPicPr>
+          <p:cNvPr id="15" name="14 Imagen"/>
+          <p:cNvPicPr>
+            <a:picLocks noChangeAspect="1"/>
+          </p:cNvPicPr>
+          <p:nvPr/>
+        </p:nvPicPr>
+        <p:blipFill rotWithShape="1">
+          <a:blip r:embed="rId3">
+            <a:extLst>
+              <a:ext uri="{28A0092B-C50C-407E-A947-70E740481C1C}">
+                <a14:useLocalDpi xmlns:a14="http://schemas.microsoft.com/office/drawing/2010/main" val="0"/>
+              </a:ext>
+            </a:extLst>
+          </a:blip>
+          <a:srcRect l="9252" t="2991" r="1572" b="3173"/>
+          <a:stretch/>
+        </p:blipFill>
+        <p:spPr>
+          <a:xfrm>
+            <a:off x="188640" y="4964703"/>
+            <a:ext cx="3256059" cy="2139245"/>
+          </a:xfrm>
+          <a:prstGeom prst="rect">
+            <a:avLst/>
+          </a:prstGeom>
+        </p:spPr>
+      </p:pic>
+      <p:pic>
+        <p:nvPicPr>
+          <p:cNvPr id="16" name="15 Imagen"/>
+          <p:cNvPicPr>
+            <a:picLocks noChangeAspect="1"/>
+          </p:cNvPicPr>
+          <p:nvPr/>
+        </p:nvPicPr>
+        <p:blipFill rotWithShape="1">
+          <a:blip r:embed="rId2">
+            <a:extLst>
+              <a:ext uri="{28A0092B-C50C-407E-A947-70E740481C1C}">
+                <a14:useLocalDpi xmlns:a14="http://schemas.microsoft.com/office/drawing/2010/main" val="0"/>
+              </a:ext>
+            </a:extLst>
+          </a:blip>
+          <a:srcRect l="9355" t="2996" r="1467" b="2996"/>
+          <a:stretch/>
+        </p:blipFill>
+        <p:spPr>
+          <a:xfrm flipV="1">
+            <a:off x="3526543" y="7185248"/>
+            <a:ext cx="3256059" cy="2143126"/>
+          </a:xfrm>
+          <a:prstGeom prst="rect">
+            <a:avLst/>
+          </a:prstGeom>
+        </p:spPr>
+      </p:pic>
+      <p:pic>
+        <p:nvPicPr>
+          <p:cNvPr id="17" name="16 Imagen"/>
+          <p:cNvPicPr>
+            <a:picLocks noChangeAspect="1"/>
+          </p:cNvPicPr>
+          <p:nvPr/>
+        </p:nvPicPr>
+        <p:blipFill rotWithShape="1">
+          <a:blip r:embed="rId3">
+            <a:extLst>
+              <a:ext uri="{28A0092B-C50C-407E-A947-70E740481C1C}">
+                <a14:useLocalDpi xmlns:a14="http://schemas.microsoft.com/office/drawing/2010/main" val="0"/>
+              </a:ext>
+            </a:extLst>
+          </a:blip>
+          <a:srcRect l="9252" t="2991" r="1572" b="3173"/>
+          <a:stretch/>
+        </p:blipFill>
+        <p:spPr>
+          <a:xfrm>
+            <a:off x="188640" y="7196951"/>
+            <a:ext cx="3256059" cy="2139245"/>
+          </a:xfrm>
+          <a:prstGeom prst="rect">
+            <a:avLst/>
+          </a:prstGeom>
+        </p:spPr>
+      </p:pic>
+      <p:sp>
+        <p:nvSpPr>
+          <p:cNvPr id="18" name="17 CuadroTexto"/>
+          <p:cNvSpPr txBox="1"/>
+          <p:nvPr/>
+        </p:nvSpPr>
+        <p:spPr>
+          <a:xfrm>
+            <a:off x="1408004" y="9480212"/>
+            <a:ext cx="675256" cy="369332"/>
+          </a:xfrm>
+          <a:prstGeom prst="rect">
+            <a:avLst/>
+          </a:prstGeom>
+          <a:noFill/>
+        </p:spPr>
+        <p:txBody>
+          <a:bodyPr wrap="square" rtlCol="0">
+            <a:spAutoFit/>
+          </a:bodyPr>
+          <a:lstStyle/>
+          <a:p>
+            <a:pPr algn="ctr"/>
+            <a:r>
+              <a:rPr lang="es-AR" dirty="0" smtClean="0"/>
+              <a:t>TOP</a:t>
+            </a:r>
+            <a:endParaRPr lang="es-AR" dirty="0"/>
+          </a:p>
+        </p:txBody>
+      </p:sp>
+      <p:sp>
+        <p:nvSpPr>
+          <p:cNvPr id="19" name="18 CuadroTexto"/>
+          <p:cNvSpPr txBox="1"/>
+          <p:nvPr/>
+        </p:nvSpPr>
+        <p:spPr>
+          <a:xfrm>
+            <a:off x="4589948" y="9480212"/>
+            <a:ext cx="1080120" cy="369332"/>
+          </a:xfrm>
+          <a:prstGeom prst="rect">
+            <a:avLst/>
+          </a:prstGeom>
+          <a:noFill/>
+        </p:spPr>
+        <p:txBody>
+          <a:bodyPr wrap="square" rtlCol="0">
+            <a:spAutoFit/>
+          </a:bodyPr>
+          <a:lstStyle/>
+          <a:p>
+            <a:pPr algn="ctr"/>
+            <a:r>
+              <a:rPr lang="es-AR" dirty="0" smtClean="0"/>
+              <a:t>BOTTOM</a:t>
+            </a:r>
+            <a:endParaRPr lang="es-AR" dirty="0"/>
+          </a:p>
+        </p:txBody>
+      </p:sp>
+    </p:spTree>
+    <p:extLst>
+      <p:ext uri="{BB962C8B-B14F-4D97-AF65-F5344CB8AC3E}">
+        <p14:creationId xmlns:p14="http://schemas.microsoft.com/office/powerpoint/2010/main" val="2268572980"/>
+      </p:ext>
+    </p:extLst>
+  </p:cSld>
+  <p:clrMapOvr>
+    <a:masterClrMapping/>
+  </p:clrMapOvr>
+  <p:timing>
+    <p:tnLst>
+      <p:par>
+        <p:cTn id="1" dur="indefinite" restart="never" nodeType="tmRoot"/>
+      </p:par>
+    </p:tnLst>
+  </p:timing>
 </p:sld>
 </file>
 
